--- a/docs/quarto-schematic.pptx
+++ b/docs/quarto-schematic.pptx
@@ -6,6 +6,7 @@
   </p:sldMasterIdLst>
   <p:sldIdLst>
     <p:sldId id="256" r:id="rId2"/>
+    <p:sldId id="257" r:id="rId3"/>
   </p:sldIdLst>
   <p:sldSz cx="12192000" cy="6858000"/>
   <p:notesSz cx="6858000" cy="9144000"/>
@@ -104,6 +105,11 @@
       </a:defRPr>
     </a:lvl9pPr>
   </p:defaultTextStyle>
+  <p:extLst>
+    <p:ext uri="{EFAFB233-063F-42B5-8137-9DF3F51BA10A}">
+      <p15:sldGuideLst xmlns:p15="http://schemas.microsoft.com/office/powerpoint/2012/main"/>
+    </p:ext>
+  </p:extLst>
 </p:presentation>
 </file>
 
@@ -254,7 +260,7 @@
           <a:p>
             <a:fld id="{252CCD65-08CF-534E-9B6D-B4D95ACE7D16}" type="datetimeFigureOut">
               <a:rPr lang="en-US" smtClean="0"/>
-              <a:t>2/7/23</a:t>
+              <a:t>2/8/23</a:t>
             </a:fld>
             <a:endParaRPr lang="en-US"/>
           </a:p>
@@ -452,7 +458,7 @@
           <a:p>
             <a:fld id="{252CCD65-08CF-534E-9B6D-B4D95ACE7D16}" type="datetimeFigureOut">
               <a:rPr lang="en-US" smtClean="0"/>
-              <a:t>2/7/23</a:t>
+              <a:t>2/8/23</a:t>
             </a:fld>
             <a:endParaRPr lang="en-US"/>
           </a:p>
@@ -660,7 +666,7 @@
           <a:p>
             <a:fld id="{252CCD65-08CF-534E-9B6D-B4D95ACE7D16}" type="datetimeFigureOut">
               <a:rPr lang="en-US" smtClean="0"/>
-              <a:t>2/7/23</a:t>
+              <a:t>2/8/23</a:t>
             </a:fld>
             <a:endParaRPr lang="en-US"/>
           </a:p>
@@ -858,7 +864,7 @@
           <a:p>
             <a:fld id="{252CCD65-08CF-534E-9B6D-B4D95ACE7D16}" type="datetimeFigureOut">
               <a:rPr lang="en-US" smtClean="0"/>
-              <a:t>2/7/23</a:t>
+              <a:t>2/8/23</a:t>
             </a:fld>
             <a:endParaRPr lang="en-US"/>
           </a:p>
@@ -1133,7 +1139,7 @@
           <a:p>
             <a:fld id="{252CCD65-08CF-534E-9B6D-B4D95ACE7D16}" type="datetimeFigureOut">
               <a:rPr lang="en-US" smtClean="0"/>
-              <a:t>2/7/23</a:t>
+              <a:t>2/8/23</a:t>
             </a:fld>
             <a:endParaRPr lang="en-US"/>
           </a:p>
@@ -1398,7 +1404,7 @@
           <a:p>
             <a:fld id="{252CCD65-08CF-534E-9B6D-B4D95ACE7D16}" type="datetimeFigureOut">
               <a:rPr lang="en-US" smtClean="0"/>
-              <a:t>2/7/23</a:t>
+              <a:t>2/8/23</a:t>
             </a:fld>
             <a:endParaRPr lang="en-US"/>
           </a:p>
@@ -1810,7 +1816,7 @@
           <a:p>
             <a:fld id="{252CCD65-08CF-534E-9B6D-B4D95ACE7D16}" type="datetimeFigureOut">
               <a:rPr lang="en-US" smtClean="0"/>
-              <a:t>2/7/23</a:t>
+              <a:t>2/8/23</a:t>
             </a:fld>
             <a:endParaRPr lang="en-US"/>
           </a:p>
@@ -1951,7 +1957,7 @@
           <a:p>
             <a:fld id="{252CCD65-08CF-534E-9B6D-B4D95ACE7D16}" type="datetimeFigureOut">
               <a:rPr lang="en-US" smtClean="0"/>
-              <a:t>2/7/23</a:t>
+              <a:t>2/8/23</a:t>
             </a:fld>
             <a:endParaRPr lang="en-US"/>
           </a:p>
@@ -2064,7 +2070,7 @@
           <a:p>
             <a:fld id="{252CCD65-08CF-534E-9B6D-B4D95ACE7D16}" type="datetimeFigureOut">
               <a:rPr lang="en-US" smtClean="0"/>
-              <a:t>2/7/23</a:t>
+              <a:t>2/8/23</a:t>
             </a:fld>
             <a:endParaRPr lang="en-US"/>
           </a:p>
@@ -2375,7 +2381,7 @@
           <a:p>
             <a:fld id="{252CCD65-08CF-534E-9B6D-B4D95ACE7D16}" type="datetimeFigureOut">
               <a:rPr lang="en-US" smtClean="0"/>
-              <a:t>2/7/23</a:t>
+              <a:t>2/8/23</a:t>
             </a:fld>
             <a:endParaRPr lang="en-US"/>
           </a:p>
@@ -2663,7 +2669,7 @@
           <a:p>
             <a:fld id="{252CCD65-08CF-534E-9B6D-B4D95ACE7D16}" type="datetimeFigureOut">
               <a:rPr lang="en-US" smtClean="0"/>
-              <a:t>2/7/23</a:t>
+              <a:t>2/8/23</a:t>
             </a:fld>
             <a:endParaRPr lang="en-US"/>
           </a:p>
@@ -2904,7 +2910,7 @@
           <a:p>
             <a:fld id="{252CCD65-08CF-534E-9B6D-B4D95ACE7D16}" type="datetimeFigureOut">
               <a:rPr lang="en-US" smtClean="0"/>
-              <a:t>2/7/23</a:t>
+              <a:t>2/8/23</a:t>
             </a:fld>
             <a:endParaRPr lang="en-US"/>
           </a:p>
@@ -4829,6 +4835,254 @@
 </p:sld>
 </file>
 
+<file path=ppt/slides/slide2.xml><?xml version="1.0" encoding="utf-8"?>
+<p:sld xmlns:a="http://schemas.openxmlformats.org/drawingml/2006/main" xmlns:r="http://schemas.openxmlformats.org/officeDocument/2006/relationships" xmlns:p="http://schemas.openxmlformats.org/presentationml/2006/main">
+  <p:cSld>
+    <p:spTree>
+      <p:nvGrpSpPr>
+        <p:cNvPr id="1" name=""/>
+        <p:cNvGrpSpPr/>
+        <p:nvPr/>
+      </p:nvGrpSpPr>
+      <p:grpSpPr>
+        <a:xfrm>
+          <a:off x="0" y="0"/>
+          <a:ext cx="0" cy="0"/>
+          <a:chOff x="0" y="0"/>
+          <a:chExt cx="0" cy="0"/>
+        </a:xfrm>
+      </p:grpSpPr>
+      <p:pic>
+        <p:nvPicPr>
+          <p:cNvPr id="4" name="Picture 3">
+            <a:extLst>
+              <a:ext uri="{FF2B5EF4-FFF2-40B4-BE49-F238E27FC236}">
+                <a16:creationId xmlns:a16="http://schemas.microsoft.com/office/drawing/2014/main" id="{3D3AE3A3-A387-436E-D3AC-2144676781B6}"/>
+              </a:ext>
+            </a:extLst>
+          </p:cNvPr>
+          <p:cNvPicPr>
+            <a:picLocks noChangeAspect="1"/>
+          </p:cNvPicPr>
+          <p:nvPr/>
+        </p:nvPicPr>
+        <p:blipFill>
+          <a:blip r:embed="rId2"/>
+          <a:stretch>
+            <a:fillRect/>
+          </a:stretch>
+        </p:blipFill>
+        <p:spPr>
+          <a:xfrm>
+            <a:off x="1169513" y="2133638"/>
+            <a:ext cx="2589015" cy="2630773"/>
+          </a:xfrm>
+          <a:prstGeom prst="rect">
+            <a:avLst/>
+          </a:prstGeom>
+        </p:spPr>
+      </p:pic>
+      <p:pic>
+        <p:nvPicPr>
+          <p:cNvPr id="5" name="Picture 4">
+            <a:extLst>
+              <a:ext uri="{FF2B5EF4-FFF2-40B4-BE49-F238E27FC236}">
+                <a16:creationId xmlns:a16="http://schemas.microsoft.com/office/drawing/2014/main" id="{7487B490-45E1-A040-5051-444D65227926}"/>
+              </a:ext>
+            </a:extLst>
+          </p:cNvPr>
+          <p:cNvPicPr>
+            <a:picLocks noChangeAspect="1"/>
+          </p:cNvPicPr>
+          <p:nvPr/>
+        </p:nvPicPr>
+        <p:blipFill>
+          <a:blip r:embed="rId3"/>
+          <a:stretch>
+            <a:fillRect/>
+          </a:stretch>
+        </p:blipFill>
+        <p:spPr>
+          <a:xfrm>
+            <a:off x="4769523" y="1953758"/>
+            <a:ext cx="2652953" cy="3030261"/>
+          </a:xfrm>
+          <a:prstGeom prst="rect">
+            <a:avLst/>
+          </a:prstGeom>
+        </p:spPr>
+      </p:pic>
+      <p:pic>
+        <p:nvPicPr>
+          <p:cNvPr id="6" name="Picture 5">
+            <a:extLst>
+              <a:ext uri="{FF2B5EF4-FFF2-40B4-BE49-F238E27FC236}">
+                <a16:creationId xmlns:a16="http://schemas.microsoft.com/office/drawing/2014/main" id="{E1E55825-3EA9-24E6-2B78-98D9D8A97819}"/>
+              </a:ext>
+            </a:extLst>
+          </p:cNvPr>
+          <p:cNvPicPr>
+            <a:picLocks noChangeAspect="1"/>
+          </p:cNvPicPr>
+          <p:nvPr/>
+        </p:nvPicPr>
+        <p:blipFill>
+          <a:blip r:embed="rId4"/>
+          <a:stretch>
+            <a:fillRect/>
+          </a:stretch>
+        </p:blipFill>
+        <p:spPr>
+          <a:xfrm>
+            <a:off x="8433471" y="323438"/>
+            <a:ext cx="2658831" cy="6197423"/>
+          </a:xfrm>
+          <a:prstGeom prst="rect">
+            <a:avLst/>
+          </a:prstGeom>
+        </p:spPr>
+      </p:pic>
+      <p:sp>
+        <p:nvSpPr>
+          <p:cNvPr id="8" name="TextBox 7">
+            <a:extLst>
+              <a:ext uri="{FF2B5EF4-FFF2-40B4-BE49-F238E27FC236}">
+                <a16:creationId xmlns:a16="http://schemas.microsoft.com/office/drawing/2014/main" id="{73BD2DEC-58EC-490A-1C55-EB09DE709659}"/>
+              </a:ext>
+            </a:extLst>
+          </p:cNvPr>
+          <p:cNvSpPr txBox="1"/>
+          <p:nvPr/>
+        </p:nvSpPr>
+        <p:spPr>
+          <a:xfrm>
+            <a:off x="861440" y="323438"/>
+            <a:ext cx="7218257" cy="1323439"/>
+          </a:xfrm>
+          <a:prstGeom prst="rect">
+            <a:avLst/>
+          </a:prstGeom>
+          <a:noFill/>
+        </p:spPr>
+        <p:txBody>
+          <a:bodyPr wrap="square">
+            <a:spAutoFit/>
+          </a:bodyPr>
+          <a:lstStyle/>
+          <a:p>
+            <a:r>
+              <a:rPr lang="en-US" sz="2000" dirty="0">
+                <a:latin typeface="Arial" panose="020B0604020202020204" pitchFamily="34" charset="0"/>
+                <a:cs typeface="Arial" panose="020B0604020202020204" pitchFamily="34" charset="0"/>
+              </a:rPr>
+              <a:t>Ben Marwick, Carl Boettiger &amp; Lincoln Mullen (2018) Packaging Data Analytical Work Reproducibly Using R (and Friends), </a:t>
+            </a:r>
+            <a:r>
+              <a:rPr lang="en-US" sz="2000" i="1" dirty="0">
+                <a:latin typeface="Arial" panose="020B0604020202020204" pitchFamily="34" charset="0"/>
+                <a:cs typeface="Arial" panose="020B0604020202020204" pitchFamily="34" charset="0"/>
+              </a:rPr>
+              <a:t>The American Statistician</a:t>
+            </a:r>
+            <a:r>
+              <a:rPr lang="en-US" sz="2000" dirty="0">
+                <a:latin typeface="Arial" panose="020B0604020202020204" pitchFamily="34" charset="0"/>
+                <a:cs typeface="Arial" panose="020B0604020202020204" pitchFamily="34" charset="0"/>
+              </a:rPr>
+              <a:t>, 72:1, 80-88, DOI: 10.1080/00031305.2017.1375986</a:t>
+            </a:r>
+          </a:p>
+        </p:txBody>
+      </p:sp>
+      <p:sp>
+        <p:nvSpPr>
+          <p:cNvPr id="10" name="TextBox 9">
+            <a:extLst>
+              <a:ext uri="{FF2B5EF4-FFF2-40B4-BE49-F238E27FC236}">
+                <a16:creationId xmlns:a16="http://schemas.microsoft.com/office/drawing/2014/main" id="{EF07780B-28D8-750F-7133-01AA15ED6D81}"/>
+              </a:ext>
+            </a:extLst>
+          </p:cNvPr>
+          <p:cNvSpPr txBox="1"/>
+          <p:nvPr/>
+        </p:nvSpPr>
+        <p:spPr>
+          <a:xfrm>
+            <a:off x="1105576" y="4979233"/>
+            <a:ext cx="2589015" cy="646331"/>
+          </a:xfrm>
+          <a:prstGeom prst="rect">
+            <a:avLst/>
+          </a:prstGeom>
+          <a:noFill/>
+        </p:spPr>
+        <p:txBody>
+          <a:bodyPr wrap="square">
+            <a:spAutoFit/>
+          </a:bodyPr>
+          <a:lstStyle/>
+          <a:p>
+            <a:r>
+              <a:rPr lang="en-US" dirty="0">
+                <a:latin typeface="Arial" panose="020B0604020202020204" pitchFamily="34" charset="0"/>
+                <a:cs typeface="Arial" panose="020B0604020202020204" pitchFamily="34" charset="0"/>
+              </a:rPr>
+              <a:t>An example of a small research compendium.</a:t>
+            </a:r>
+          </a:p>
+        </p:txBody>
+      </p:sp>
+      <p:sp>
+        <p:nvSpPr>
+          <p:cNvPr id="12" name="TextBox 11">
+            <a:extLst>
+              <a:ext uri="{FF2B5EF4-FFF2-40B4-BE49-F238E27FC236}">
+                <a16:creationId xmlns:a16="http://schemas.microsoft.com/office/drawing/2014/main" id="{C383AA76-C6B1-FDA5-0007-D907D2488C03}"/>
+              </a:ext>
+            </a:extLst>
+          </p:cNvPr>
+          <p:cNvSpPr txBox="1"/>
+          <p:nvPr/>
+        </p:nvSpPr>
+        <p:spPr>
+          <a:xfrm>
+            <a:off x="4769522" y="4979233"/>
+            <a:ext cx="2652953" cy="1200329"/>
+          </a:xfrm>
+          <a:prstGeom prst="rect">
+            <a:avLst/>
+          </a:prstGeom>
+          <a:noFill/>
+        </p:spPr>
+        <p:txBody>
+          <a:bodyPr wrap="square">
+            <a:spAutoFit/>
+          </a:bodyPr>
+          <a:lstStyle/>
+          <a:p>
+            <a:r>
+              <a:rPr lang="en-US" dirty="0">
+                <a:latin typeface="Arial" panose="020B0604020202020204" pitchFamily="34" charset="0"/>
+                <a:cs typeface="Arial" panose="020B0604020202020204" pitchFamily="34" charset="0"/>
+              </a:rPr>
+              <a:t>An example of a more complete use of the R package structure for a research compendium</a:t>
+            </a:r>
+          </a:p>
+        </p:txBody>
+      </p:sp>
+    </p:spTree>
+    <p:extLst>
+      <p:ext uri="{BB962C8B-B14F-4D97-AF65-F5344CB8AC3E}">
+        <p14:creationId xmlns:p14="http://schemas.microsoft.com/office/powerpoint/2010/main" val="2025792963"/>
+      </p:ext>
+    </p:extLst>
+  </p:cSld>
+  <p:clrMapOvr>
+    <a:masterClrMapping/>
+  </p:clrMapOvr>
+</p:sld>
+</file>
+
 <file path=ppt/theme/theme1.xml><?xml version="1.0" encoding="utf-8"?>
 <a:theme xmlns:a="http://schemas.openxmlformats.org/drawingml/2006/main" name="Office Theme">
   <a:themeElements>
